--- a/Diagramas/spynet_mockupv1.pptx
+++ b/Diagramas/spynet_mockupv1.pptx
@@ -266,7 +266,7 @@
           <a:p>
             <a:fld id="{9A8C1E4C-16E8-4B6B-8342-505DCA99F69B}" type="datetimeFigureOut">
               <a:rPr lang="es-CO" smtClean="0"/>
-              <a:t>27/06/2025</a:t>
+              <a:t>28/06/2025</a:t>
             </a:fld>
             <a:endParaRPr lang="es-CO"/>
           </a:p>
@@ -466,7 +466,7 @@
           <a:p>
             <a:fld id="{9A8C1E4C-16E8-4B6B-8342-505DCA99F69B}" type="datetimeFigureOut">
               <a:rPr lang="es-CO" smtClean="0"/>
-              <a:t>27/06/2025</a:t>
+              <a:t>28/06/2025</a:t>
             </a:fld>
             <a:endParaRPr lang="es-CO"/>
           </a:p>
@@ -676,7 +676,7 @@
           <a:p>
             <a:fld id="{9A8C1E4C-16E8-4B6B-8342-505DCA99F69B}" type="datetimeFigureOut">
               <a:rPr lang="es-CO" smtClean="0"/>
-              <a:t>27/06/2025</a:t>
+              <a:t>28/06/2025</a:t>
             </a:fld>
             <a:endParaRPr lang="es-CO"/>
           </a:p>
@@ -876,7 +876,7 @@
           <a:p>
             <a:fld id="{9A8C1E4C-16E8-4B6B-8342-505DCA99F69B}" type="datetimeFigureOut">
               <a:rPr lang="es-CO" smtClean="0"/>
-              <a:t>27/06/2025</a:t>
+              <a:t>28/06/2025</a:t>
             </a:fld>
             <a:endParaRPr lang="es-CO"/>
           </a:p>
@@ -1152,7 +1152,7 @@
           <a:p>
             <a:fld id="{9A8C1E4C-16E8-4B6B-8342-505DCA99F69B}" type="datetimeFigureOut">
               <a:rPr lang="es-CO" smtClean="0"/>
-              <a:t>27/06/2025</a:t>
+              <a:t>28/06/2025</a:t>
             </a:fld>
             <a:endParaRPr lang="es-CO"/>
           </a:p>
@@ -1420,7 +1420,7 @@
           <a:p>
             <a:fld id="{9A8C1E4C-16E8-4B6B-8342-505DCA99F69B}" type="datetimeFigureOut">
               <a:rPr lang="es-CO" smtClean="0"/>
-              <a:t>27/06/2025</a:t>
+              <a:t>28/06/2025</a:t>
             </a:fld>
             <a:endParaRPr lang="es-CO"/>
           </a:p>
@@ -1835,7 +1835,7 @@
           <a:p>
             <a:fld id="{9A8C1E4C-16E8-4B6B-8342-505DCA99F69B}" type="datetimeFigureOut">
               <a:rPr lang="es-CO" smtClean="0"/>
-              <a:t>27/06/2025</a:t>
+              <a:t>28/06/2025</a:t>
             </a:fld>
             <a:endParaRPr lang="es-CO"/>
           </a:p>
@@ -1977,7 +1977,7 @@
           <a:p>
             <a:fld id="{9A8C1E4C-16E8-4B6B-8342-505DCA99F69B}" type="datetimeFigureOut">
               <a:rPr lang="es-CO" smtClean="0"/>
-              <a:t>27/06/2025</a:t>
+              <a:t>28/06/2025</a:t>
             </a:fld>
             <a:endParaRPr lang="es-CO"/>
           </a:p>
@@ -2090,7 +2090,7 @@
           <a:p>
             <a:fld id="{9A8C1E4C-16E8-4B6B-8342-505DCA99F69B}" type="datetimeFigureOut">
               <a:rPr lang="es-CO" smtClean="0"/>
-              <a:t>27/06/2025</a:t>
+              <a:t>28/06/2025</a:t>
             </a:fld>
             <a:endParaRPr lang="es-CO"/>
           </a:p>
@@ -2403,7 +2403,7 @@
           <a:p>
             <a:fld id="{9A8C1E4C-16E8-4B6B-8342-505DCA99F69B}" type="datetimeFigureOut">
               <a:rPr lang="es-CO" smtClean="0"/>
-              <a:t>27/06/2025</a:t>
+              <a:t>28/06/2025</a:t>
             </a:fld>
             <a:endParaRPr lang="es-CO"/>
           </a:p>
@@ -2692,7 +2692,7 @@
           <a:p>
             <a:fld id="{9A8C1E4C-16E8-4B6B-8342-505DCA99F69B}" type="datetimeFigureOut">
               <a:rPr lang="es-CO" smtClean="0"/>
-              <a:t>27/06/2025</a:t>
+              <a:t>28/06/2025</a:t>
             </a:fld>
             <a:endParaRPr lang="es-CO"/>
           </a:p>
@@ -2935,7 +2935,7 @@
           <a:p>
             <a:fld id="{9A8C1E4C-16E8-4B6B-8342-505DCA99F69B}" type="datetimeFigureOut">
               <a:rPr lang="es-CO" smtClean="0"/>
-              <a:t>27/06/2025</a:t>
+              <a:t>28/06/2025</a:t>
             </a:fld>
             <a:endParaRPr lang="es-CO"/>
           </a:p>
@@ -8608,8 +8608,8 @@
         </p:blipFill>
         <p:spPr bwMode="auto">
           <a:xfrm>
-            <a:off x="1114870" y="658026"/>
-            <a:ext cx="10287000" cy="6858000"/>
+            <a:off x="1328514" y="800454"/>
+            <a:ext cx="10073356" cy="6715571"/>
           </a:xfrm>
           <a:prstGeom prst="rect">
             <a:avLst/>
